--- a/images/OpenPLC素材.pptx
+++ b/images/OpenPLC素材.pptx
@@ -7,6 +7,7 @@
   <p:sldIdLst>
     <p:sldId id="256" r:id="rId2"/>
     <p:sldId id="257" r:id="rId3"/>
+    <p:sldId id="258" r:id="rId4"/>
   </p:sldIdLst>
   <p:sldSz cx="12192000" cy="6858000"/>
   <p:notesSz cx="6858000" cy="9144000"/>
@@ -355,7 +356,7 @@
           <a:p>
             <a:fld id="{D3F6AB6C-E296-47D1-B370-87A5A68D5D84}" type="datetimeFigureOut">
               <a:rPr kumimoji="1" lang="ja-JP" altLang="en-US" smtClean="0"/>
-              <a:t>2023/12/28</a:t>
+              <a:t>2024/2/19</a:t>
             </a:fld>
             <a:endParaRPr kumimoji="1" lang="ja-JP" altLang="en-US"/>
           </a:p>
@@ -585,7 +586,7 @@
           <a:p>
             <a:fld id="{D3F6AB6C-E296-47D1-B370-87A5A68D5D84}" type="datetimeFigureOut">
               <a:rPr kumimoji="1" lang="ja-JP" altLang="en-US" smtClean="0"/>
-              <a:t>2023/12/28</a:t>
+              <a:t>2024/2/19</a:t>
             </a:fld>
             <a:endParaRPr kumimoji="1" lang="ja-JP" altLang="en-US"/>
           </a:p>
@@ -825,7 +826,7 @@
           <a:p>
             <a:fld id="{D3F6AB6C-E296-47D1-B370-87A5A68D5D84}" type="datetimeFigureOut">
               <a:rPr kumimoji="1" lang="ja-JP" altLang="en-US" smtClean="0"/>
-              <a:t>2023/12/28</a:t>
+              <a:t>2024/2/19</a:t>
             </a:fld>
             <a:endParaRPr kumimoji="1" lang="ja-JP" altLang="en-US"/>
           </a:p>
@@ -1055,7 +1056,7 @@
           <a:p>
             <a:fld id="{D3F6AB6C-E296-47D1-B370-87A5A68D5D84}" type="datetimeFigureOut">
               <a:rPr kumimoji="1" lang="ja-JP" altLang="en-US" smtClean="0"/>
-              <a:t>2023/12/28</a:t>
+              <a:t>2024/2/19</a:t>
             </a:fld>
             <a:endParaRPr kumimoji="1" lang="ja-JP" altLang="en-US"/>
           </a:p>
@@ -1330,7 +1331,7 @@
           <a:p>
             <a:fld id="{D3F6AB6C-E296-47D1-B370-87A5A68D5D84}" type="datetimeFigureOut">
               <a:rPr kumimoji="1" lang="ja-JP" altLang="en-US" smtClean="0"/>
-              <a:t>2023/12/28</a:t>
+              <a:t>2024/2/19</a:t>
             </a:fld>
             <a:endParaRPr kumimoji="1" lang="ja-JP" altLang="en-US"/>
           </a:p>
@@ -1659,7 +1660,7 @@
           <a:p>
             <a:fld id="{D3F6AB6C-E296-47D1-B370-87A5A68D5D84}" type="datetimeFigureOut">
               <a:rPr kumimoji="1" lang="ja-JP" altLang="en-US" smtClean="0"/>
-              <a:t>2023/12/28</a:t>
+              <a:t>2024/2/19</a:t>
             </a:fld>
             <a:endParaRPr kumimoji="1" lang="ja-JP" altLang="en-US"/>
           </a:p>
@@ -2135,7 +2136,7 @@
           <a:p>
             <a:fld id="{D3F6AB6C-E296-47D1-B370-87A5A68D5D84}" type="datetimeFigureOut">
               <a:rPr kumimoji="1" lang="ja-JP" altLang="en-US" smtClean="0"/>
-              <a:t>2023/12/28</a:t>
+              <a:t>2024/2/19</a:t>
             </a:fld>
             <a:endParaRPr kumimoji="1" lang="ja-JP" altLang="en-US"/>
           </a:p>
@@ -2276,7 +2277,7 @@
           <a:p>
             <a:fld id="{D3F6AB6C-E296-47D1-B370-87A5A68D5D84}" type="datetimeFigureOut">
               <a:rPr kumimoji="1" lang="ja-JP" altLang="en-US" smtClean="0"/>
-              <a:t>2023/12/28</a:t>
+              <a:t>2024/2/19</a:t>
             </a:fld>
             <a:endParaRPr kumimoji="1" lang="ja-JP" altLang="en-US"/>
           </a:p>
@@ -2389,7 +2390,7 @@
           <a:p>
             <a:fld id="{D3F6AB6C-E296-47D1-B370-87A5A68D5D84}" type="datetimeFigureOut">
               <a:rPr kumimoji="1" lang="ja-JP" altLang="en-US" smtClean="0"/>
-              <a:t>2023/12/28</a:t>
+              <a:t>2024/2/19</a:t>
             </a:fld>
             <a:endParaRPr kumimoji="1" lang="ja-JP" altLang="en-US"/>
           </a:p>
@@ -2732,7 +2733,7 @@
           <a:p>
             <a:fld id="{D3F6AB6C-E296-47D1-B370-87A5A68D5D84}" type="datetimeFigureOut">
               <a:rPr kumimoji="1" lang="ja-JP" altLang="en-US" smtClean="0"/>
-              <a:t>2023/12/28</a:t>
+              <a:t>2024/2/19</a:t>
             </a:fld>
             <a:endParaRPr kumimoji="1" lang="ja-JP" altLang="en-US"/>
           </a:p>
@@ -3020,7 +3021,7 @@
           <a:p>
             <a:fld id="{D3F6AB6C-E296-47D1-B370-87A5A68D5D84}" type="datetimeFigureOut">
               <a:rPr kumimoji="1" lang="ja-JP" altLang="en-US" smtClean="0"/>
-              <a:t>2023/12/28</a:t>
+              <a:t>2024/2/19</a:t>
             </a:fld>
             <a:endParaRPr kumimoji="1" lang="ja-JP" altLang="en-US"/>
           </a:p>
@@ -3293,7 +3294,7 @@
           <a:p>
             <a:fld id="{D3F6AB6C-E296-47D1-B370-87A5A68D5D84}" type="datetimeFigureOut">
               <a:rPr kumimoji="1" lang="ja-JP" altLang="en-US" smtClean="0"/>
-              <a:t>2023/12/28</a:t>
+              <a:t>2024/2/19</a:t>
             </a:fld>
             <a:endParaRPr kumimoji="1" lang="ja-JP" altLang="en-US"/>
           </a:p>
@@ -4141,10 +4142,10 @@
       </p:grpSpPr>
       <p:pic>
         <p:nvPicPr>
-          <p:cNvPr id="4" name="図 3">
-            <a:extLst>
-              <a:ext uri="{FF2B5EF4-FFF2-40B4-BE49-F238E27FC236}">
-                <a16:creationId xmlns:a16="http://schemas.microsoft.com/office/drawing/2014/main" id="{E2B9990E-4CAA-40B5-AAE5-321E46A0FBF6}"/>
+          <p:cNvPr id="3" name="図 2">
+            <a:extLst>
+              <a:ext uri="{FF2B5EF4-FFF2-40B4-BE49-F238E27FC236}">
+                <a16:creationId xmlns:a16="http://schemas.microsoft.com/office/drawing/2014/main" id="{8C6D16BE-1011-4EDC-B2A9-5FF4822EB572}"/>
               </a:ext>
             </a:extLst>
           </p:cNvPr>
@@ -4154,14 +4155,20 @@
           <p:nvPr/>
         </p:nvPicPr>
         <p:blipFill rotWithShape="1">
-          <a:blip r:embed="rId2"/>
-          <a:srcRect l="20841" t="35887" r="55505" b="46138"/>
+          <a:blip r:embed="rId2">
+            <a:extLst>
+              <a:ext uri="{28A0092B-C50C-407E-A947-70E740481C1C}">
+                <a14:useLocalDpi xmlns:a14="http://schemas.microsoft.com/office/drawing/2010/main" val="0"/>
+              </a:ext>
+            </a:extLst>
+          </a:blip>
+          <a:srcRect l="25673" t="32025" r="12308" b="20308"/>
           <a:stretch/>
         </p:blipFill>
         <p:spPr>
           <a:xfrm>
-            <a:off x="2540977" y="2497016"/>
-            <a:ext cx="2883878" cy="1186962"/>
+            <a:off x="1343472" y="2204864"/>
+            <a:ext cx="7561384" cy="3147647"/>
           </a:xfrm>
           <a:prstGeom prst="rect">
             <a:avLst/>
@@ -4172,6 +4179,36 @@
     <p:extLst>
       <p:ext uri="{BB962C8B-B14F-4D97-AF65-F5344CB8AC3E}">
         <p14:creationId xmlns:p14="http://schemas.microsoft.com/office/powerpoint/2010/main" val="3372864599"/>
+      </p:ext>
+    </p:extLst>
+  </p:cSld>
+  <p:clrMapOvr>
+    <a:masterClrMapping/>
+  </p:clrMapOvr>
+</p:sld>
+</file>
+
+<file path=ppt/slides/slide3.xml><?xml version="1.0" encoding="utf-8"?>
+<p:sld xmlns:a="http://schemas.openxmlformats.org/drawingml/2006/main" xmlns:r="http://schemas.openxmlformats.org/officeDocument/2006/relationships" xmlns:p="http://schemas.openxmlformats.org/presentationml/2006/main">
+  <p:cSld>
+    <p:spTree>
+      <p:nvGrpSpPr>
+        <p:cNvPr id="1" name=""/>
+        <p:cNvGrpSpPr/>
+        <p:nvPr/>
+      </p:nvGrpSpPr>
+      <p:grpSpPr>
+        <a:xfrm>
+          <a:off x="0" y="0"/>
+          <a:ext cx="0" cy="0"/>
+          <a:chOff x="0" y="0"/>
+          <a:chExt cx="0" cy="0"/>
+        </a:xfrm>
+      </p:grpSpPr>
+    </p:spTree>
+    <p:extLst>
+      <p:ext uri="{BB962C8B-B14F-4D97-AF65-F5344CB8AC3E}">
+        <p14:creationId xmlns:p14="http://schemas.microsoft.com/office/powerpoint/2010/main" val="4083927225"/>
       </p:ext>
     </p:extLst>
   </p:cSld>
